--- a/slides/Pingo - PHP Basics - Arrays.pptx
+++ b/slides/Pingo - PHP Basics - Arrays.pptx
@@ -268,7 +268,7 @@
               <a:pPr>
                 <a:defRPr/>
               </a:pPr>
-              <a:t>12/26/2014</a:t>
+              <a:t>1/3/2015</a:t>
             </a:fld>
             <a:endParaRPr lang="en-US" dirty="0"/>
           </a:p>
@@ -447,7 +447,7 @@
     </p:spTree>
     <p:extLst>
       <p:ext uri="{BB962C8B-B14F-4D97-AF65-F5344CB8AC3E}">
-        <p14:creationId xmlns="" xmlns:p14="http://schemas.microsoft.com/office/powerpoint/2010/main" val="3011739860"/>
+        <p14:creationId xmlns:p14="http://schemas.microsoft.com/office/powerpoint/2010/main" xmlns="" val="3011739860"/>
       </p:ext>
     </p:extLst>
   </p:cSld>
@@ -12065,7 +12065,7 @@
     </p:spTree>
     <p:extLst>
       <p:ext uri="{BB962C8B-B14F-4D97-AF65-F5344CB8AC3E}">
-        <p14:creationId xmlns="" xmlns:p14="http://schemas.microsoft.com/office/powerpoint/2010/main" val="1299347599"/>
+        <p14:creationId xmlns:p14="http://schemas.microsoft.com/office/powerpoint/2010/main" xmlns="" val="1299347599"/>
       </p:ext>
     </p:extLst>
   </p:cSld>
@@ -13000,7 +13000,7 @@
     </p:spTree>
     <p:extLst>
       <p:ext uri="{BB962C8B-B14F-4D97-AF65-F5344CB8AC3E}">
-        <p14:creationId xmlns="" xmlns:p14="http://schemas.microsoft.com/office/powerpoint/2010/main" val="2940250813"/>
+        <p14:creationId xmlns:p14="http://schemas.microsoft.com/office/powerpoint/2010/main" xmlns="" val="2940250813"/>
       </p:ext>
     </p:extLst>
   </p:cSld>
@@ -13723,7 +13723,7 @@
     </p:spTree>
     <p:extLst>
       <p:ext uri="{BB962C8B-B14F-4D97-AF65-F5344CB8AC3E}">
-        <p14:creationId xmlns="" xmlns:p14="http://schemas.microsoft.com/office/powerpoint/2010/main" val="3204424091"/>
+        <p14:creationId xmlns:p14="http://schemas.microsoft.com/office/powerpoint/2010/main" xmlns="" val="3204424091"/>
       </p:ext>
     </p:extLst>
   </p:cSld>
@@ -14709,7 +14709,7 @@
     </p:spTree>
     <p:extLst>
       <p:ext uri="{BB962C8B-B14F-4D97-AF65-F5344CB8AC3E}">
-        <p14:creationId xmlns="" xmlns:p14="http://schemas.microsoft.com/office/powerpoint/2010/main" val="3988847600"/>
+        <p14:creationId xmlns:p14="http://schemas.microsoft.com/office/powerpoint/2010/main" xmlns="" val="3988847600"/>
       </p:ext>
     </p:extLst>
   </p:cSld>
@@ -15080,7 +15080,7 @@
     </p:spTree>
     <p:extLst>
       <p:ext uri="{BB962C8B-B14F-4D97-AF65-F5344CB8AC3E}">
-        <p14:creationId xmlns="" xmlns:p14="http://schemas.microsoft.com/office/powerpoint/2010/main" val="1336355313"/>
+        <p14:creationId xmlns:p14="http://schemas.microsoft.com/office/powerpoint/2010/main" xmlns="" val="1336355313"/>
       </p:ext>
     </p:extLst>
   </p:cSld>
@@ -15418,7 +15418,7 @@
     </p:spTree>
     <p:extLst>
       <p:ext uri="{BB962C8B-B14F-4D97-AF65-F5344CB8AC3E}">
-        <p14:creationId xmlns="" xmlns:p14="http://schemas.microsoft.com/office/powerpoint/2010/main" val="307377748"/>
+        <p14:creationId xmlns:p14="http://schemas.microsoft.com/office/powerpoint/2010/main" xmlns="" val="307377748"/>
       </p:ext>
     </p:extLst>
   </p:cSld>
@@ -15845,7 +15845,7 @@
     </p:spTree>
     <p:extLst>
       <p:ext uri="{BB962C8B-B14F-4D97-AF65-F5344CB8AC3E}">
-        <p14:creationId xmlns="" xmlns:p14="http://schemas.microsoft.com/office/powerpoint/2010/main" val="1684845771"/>
+        <p14:creationId xmlns:p14="http://schemas.microsoft.com/office/powerpoint/2010/main" xmlns="" val="1684845771"/>
       </p:ext>
     </p:extLst>
   </p:cSld>
@@ -16169,7 +16169,7 @@
     </p:spTree>
     <p:extLst>
       <p:ext uri="{BB962C8B-B14F-4D97-AF65-F5344CB8AC3E}">
-        <p14:creationId xmlns="" xmlns:p14="http://schemas.microsoft.com/office/powerpoint/2010/main" val="3688891908"/>
+        <p14:creationId xmlns:p14="http://schemas.microsoft.com/office/powerpoint/2010/main" xmlns="" val="3688891908"/>
       </p:ext>
     </p:extLst>
   </p:cSld>
@@ -16449,7 +16449,7 @@
     </p:spTree>
     <p:extLst>
       <p:ext uri="{BB962C8B-B14F-4D97-AF65-F5344CB8AC3E}">
-        <p14:creationId xmlns="" xmlns:p14="http://schemas.microsoft.com/office/powerpoint/2010/main" val="2341085944"/>
+        <p14:creationId xmlns:p14="http://schemas.microsoft.com/office/powerpoint/2010/main" xmlns="" val="2341085944"/>
       </p:ext>
     </p:extLst>
   </p:cSld>
@@ -16774,7 +16774,7 @@
     </p:spTree>
     <p:extLst>
       <p:ext uri="{BB962C8B-B14F-4D97-AF65-F5344CB8AC3E}">
-        <p14:creationId xmlns="" xmlns:p14="http://schemas.microsoft.com/office/powerpoint/2010/main" val="1981730757"/>
+        <p14:creationId xmlns:p14="http://schemas.microsoft.com/office/powerpoint/2010/main" xmlns="" val="1981730757"/>
       </p:ext>
     </p:extLst>
   </p:cSld>
@@ -17379,7 +17379,7 @@
     </p:spTree>
     <p:extLst>
       <p:ext uri="{BB962C8B-B14F-4D97-AF65-F5344CB8AC3E}">
-        <p14:creationId xmlns="" xmlns:p14="http://schemas.microsoft.com/office/powerpoint/2010/main" val="3023286322"/>
+        <p14:creationId xmlns:p14="http://schemas.microsoft.com/office/powerpoint/2010/main" xmlns="" val="3023286322"/>
       </p:ext>
     </p:extLst>
   </p:cSld>
@@ -18121,7 +18121,7 @@
     </p:spTree>
     <p:extLst>
       <p:ext uri="{BB962C8B-B14F-4D97-AF65-F5344CB8AC3E}">
-        <p14:creationId xmlns="" xmlns:p14="http://schemas.microsoft.com/office/powerpoint/2010/main" val="2329070067"/>
+        <p14:creationId xmlns:p14="http://schemas.microsoft.com/office/powerpoint/2010/main" xmlns="" val="2329070067"/>
       </p:ext>
     </p:extLst>
   </p:cSld>
@@ -18847,7 +18847,7 @@
     </p:spTree>
     <p:extLst>
       <p:ext uri="{BB962C8B-B14F-4D97-AF65-F5344CB8AC3E}">
-        <p14:creationId xmlns="" xmlns:p14="http://schemas.microsoft.com/office/powerpoint/2010/main" val="2518435654"/>
+        <p14:creationId xmlns:p14="http://schemas.microsoft.com/office/powerpoint/2010/main" xmlns="" val="2518435654"/>
       </p:ext>
     </p:extLst>
   </p:cSld>
@@ -19239,7 +19239,7 @@
     </p:spTree>
     <p:extLst>
       <p:ext uri="{BB962C8B-B14F-4D97-AF65-F5344CB8AC3E}">
-        <p14:creationId xmlns="" xmlns:p14="http://schemas.microsoft.com/office/powerpoint/2010/main" val="4249671237"/>
+        <p14:creationId xmlns:p14="http://schemas.microsoft.com/office/powerpoint/2010/main" xmlns="" val="4249671237"/>
       </p:ext>
     </p:extLst>
   </p:cSld>
@@ -19370,7 +19370,7 @@
     </p:spTree>
     <p:extLst>
       <p:ext uri="{BB962C8B-B14F-4D97-AF65-F5344CB8AC3E}">
-        <p14:creationId xmlns="" xmlns:p14="http://schemas.microsoft.com/office/powerpoint/2010/main" val="3260493956"/>
+        <p14:creationId xmlns:p14="http://schemas.microsoft.com/office/powerpoint/2010/main" xmlns="" val="3260493956"/>
       </p:ext>
     </p:extLst>
   </p:cSld>
@@ -19723,7 +19723,7 @@
     </p:spTree>
     <p:extLst>
       <p:ext uri="{BB962C8B-B14F-4D97-AF65-F5344CB8AC3E}">
-        <p14:creationId xmlns="" xmlns:p14="http://schemas.microsoft.com/office/powerpoint/2010/main" val="2940252926"/>
+        <p14:creationId xmlns:p14="http://schemas.microsoft.com/office/powerpoint/2010/main" xmlns="" val="2940252926"/>
       </p:ext>
     </p:extLst>
   </p:cSld>
@@ -20466,7 +20466,7 @@
     </p:spTree>
     <p:extLst>
       <p:ext uri="{BB962C8B-B14F-4D97-AF65-F5344CB8AC3E}">
-        <p14:creationId xmlns="" xmlns:p14="http://schemas.microsoft.com/office/powerpoint/2010/main" val="2345233192"/>
+        <p14:creationId xmlns:p14="http://schemas.microsoft.com/office/powerpoint/2010/main" xmlns="" val="2345233192"/>
       </p:ext>
     </p:extLst>
   </p:cSld>
@@ -20570,7 +20570,7 @@
     </p:spTree>
     <p:extLst>
       <p:ext uri="{BB962C8B-B14F-4D97-AF65-F5344CB8AC3E}">
-        <p14:creationId xmlns="" xmlns:p14="http://schemas.microsoft.com/office/powerpoint/2010/main" val="731689364"/>
+        <p14:creationId xmlns:p14="http://schemas.microsoft.com/office/powerpoint/2010/main" xmlns="" val="731689364"/>
       </p:ext>
     </p:extLst>
   </p:cSld>
@@ -21304,7 +21304,7 @@
     </p:spTree>
     <p:extLst>
       <p:ext uri="{BB962C8B-B14F-4D97-AF65-F5344CB8AC3E}">
-        <p14:creationId xmlns="" xmlns:p14="http://schemas.microsoft.com/office/powerpoint/2010/main" val="724130080"/>
+        <p14:creationId xmlns:p14="http://schemas.microsoft.com/office/powerpoint/2010/main" xmlns="" val="724130080"/>
       </p:ext>
     </p:extLst>
   </p:cSld>
@@ -21390,14 +21390,14 @@
           <a:effectLst/>
           <a:extLst>
             <a:ext uri="{909E8E84-426E-40dd-AFC4-6F175D3DCCD1}">
-              <a14:hiddenFill xmlns="" xmlns:a14="http://schemas.microsoft.com/office/drawing/2010/main">
+              <a14:hiddenFill xmlns:a14="http://schemas.microsoft.com/office/drawing/2010/main" xmlns="">
                 <a:solidFill>
                   <a:schemeClr val="accent1"/>
                 </a:solidFill>
               </a14:hiddenFill>
             </a:ext>
             <a:ext uri="{91240B29-F687-4f45-9708-019B960494DF}">
-              <a14:hiddenLine xmlns="" xmlns:a14="http://schemas.microsoft.com/office/drawing/2010/main" w="9525">
+              <a14:hiddenLine xmlns:a14="http://schemas.microsoft.com/office/drawing/2010/main" xmlns="" w="9525">
                 <a:solidFill>
                   <a:schemeClr val="tx1"/>
                 </a:solidFill>
@@ -21407,7 +21407,7 @@
               </a14:hiddenLine>
             </a:ext>
             <a:ext uri="{AF507438-7753-43e0-B8FC-AC1667EBCBE1}">
-              <a14:hiddenEffects xmlns="" xmlns:a14="http://schemas.microsoft.com/office/drawing/2010/main">
+              <a14:hiddenEffects xmlns:a14="http://schemas.microsoft.com/office/drawing/2010/main" xmlns="">
                 <a:effectLst>
                   <a:outerShdw blurRad="63500" dist="38099" dir="2700000" algn="ctr" rotWithShape="0">
                     <a:schemeClr val="bg2">
@@ -22046,7 +22046,7 @@
     </p:spTree>
     <p:extLst>
       <p:ext uri="{BB962C8B-B14F-4D97-AF65-F5344CB8AC3E}">
-        <p14:creationId xmlns="" xmlns:p14="http://schemas.microsoft.com/office/powerpoint/2010/main" val="2173962597"/>
+        <p14:creationId xmlns:p14="http://schemas.microsoft.com/office/powerpoint/2010/main" xmlns="" val="2173962597"/>
       </p:ext>
     </p:extLst>
   </p:cSld>
@@ -22139,14 +22139,14 @@
           <a:effectLst/>
           <a:extLst>
             <a:ext uri="{909E8E84-426E-40dd-AFC4-6F175D3DCCD1}">
-              <a14:hiddenFill xmlns="" xmlns:a14="http://schemas.microsoft.com/office/drawing/2010/main">
+              <a14:hiddenFill xmlns:a14="http://schemas.microsoft.com/office/drawing/2010/main" xmlns="">
                 <a:solidFill>
                   <a:schemeClr val="accent1"/>
                 </a:solidFill>
               </a14:hiddenFill>
             </a:ext>
             <a:ext uri="{91240B29-F687-4f45-9708-019B960494DF}">
-              <a14:hiddenLine xmlns="" xmlns:a14="http://schemas.microsoft.com/office/drawing/2010/main" w="9525">
+              <a14:hiddenLine xmlns:a14="http://schemas.microsoft.com/office/drawing/2010/main" xmlns="" w="9525">
                 <a:solidFill>
                   <a:schemeClr val="tx1"/>
                 </a:solidFill>
@@ -22156,7 +22156,7 @@
               </a14:hiddenLine>
             </a:ext>
             <a:ext uri="{AF507438-7753-43e0-B8FC-AC1667EBCBE1}">
-              <a14:hiddenEffects xmlns="" xmlns:a14="http://schemas.microsoft.com/office/drawing/2010/main">
+              <a14:hiddenEffects xmlns:a14="http://schemas.microsoft.com/office/drawing/2010/main" xmlns="">
                 <a:effectLst>
                   <a:outerShdw blurRad="63500" dist="38099" dir="2700000" algn="ctr" rotWithShape="0">
                     <a:schemeClr val="bg2">
@@ -22253,14 +22253,14 @@
           <a:effectLst/>
           <a:extLst>
             <a:ext uri="{909E8E84-426E-40dd-AFC4-6F175D3DCCD1}">
-              <a14:hiddenFill xmlns="" xmlns:a14="http://schemas.microsoft.com/office/drawing/2010/main">
+              <a14:hiddenFill xmlns:a14="http://schemas.microsoft.com/office/drawing/2010/main" xmlns="">
                 <a:solidFill>
                   <a:schemeClr val="accent1"/>
                 </a:solidFill>
               </a14:hiddenFill>
             </a:ext>
             <a:ext uri="{91240B29-F687-4f45-9708-019B960494DF}">
-              <a14:hiddenLine xmlns="" xmlns:a14="http://schemas.microsoft.com/office/drawing/2010/main" w="9525">
+              <a14:hiddenLine xmlns:a14="http://schemas.microsoft.com/office/drawing/2010/main" xmlns="" w="9525">
                 <a:solidFill>
                   <a:schemeClr val="tx1"/>
                 </a:solidFill>
@@ -22270,7 +22270,7 @@
               </a14:hiddenLine>
             </a:ext>
             <a:ext uri="{AF507438-7753-43e0-B8FC-AC1667EBCBE1}">
-              <a14:hiddenEffects xmlns="" xmlns:a14="http://schemas.microsoft.com/office/drawing/2010/main">
+              <a14:hiddenEffects xmlns:a14="http://schemas.microsoft.com/office/drawing/2010/main" xmlns="">
                 <a:effectLst>
                   <a:outerShdw blurRad="63500" dist="38099" dir="2700000" algn="ctr" rotWithShape="0">
                     <a:schemeClr val="bg2">
@@ -22587,14 +22587,14 @@
           <a:effectLst/>
           <a:extLst>
             <a:ext uri="{909E8E84-426E-40dd-AFC4-6F175D3DCCD1}">
-              <a14:hiddenFill xmlns="" xmlns:a14="http://schemas.microsoft.com/office/drawing/2010/main">
+              <a14:hiddenFill xmlns:a14="http://schemas.microsoft.com/office/drawing/2010/main" xmlns="">
                 <a:solidFill>
                   <a:schemeClr val="accent1"/>
                 </a:solidFill>
               </a14:hiddenFill>
             </a:ext>
             <a:ext uri="{91240B29-F687-4f45-9708-019B960494DF}">
-              <a14:hiddenLine xmlns="" xmlns:a14="http://schemas.microsoft.com/office/drawing/2010/main" w="9525">
+              <a14:hiddenLine xmlns:a14="http://schemas.microsoft.com/office/drawing/2010/main" xmlns="" w="9525">
                 <a:solidFill>
                   <a:schemeClr val="tx1"/>
                 </a:solidFill>
@@ -22604,7 +22604,7 @@
               </a14:hiddenLine>
             </a:ext>
             <a:ext uri="{AF507438-7753-43e0-B8FC-AC1667EBCBE1}">
-              <a14:hiddenEffects xmlns="" xmlns:a14="http://schemas.microsoft.com/office/drawing/2010/main">
+              <a14:hiddenEffects xmlns:a14="http://schemas.microsoft.com/office/drawing/2010/main" xmlns="">
                 <a:effectLst>
                   <a:outerShdw blurRad="63500" dist="38099" dir="2700000" algn="ctr" rotWithShape="0">
                     <a:schemeClr val="bg2">
@@ -22644,7 +22644,7 @@
     </p:spTree>
     <p:extLst>
       <p:ext uri="{BB962C8B-B14F-4D97-AF65-F5344CB8AC3E}">
-        <p14:creationId xmlns="" xmlns:p14="http://schemas.microsoft.com/office/powerpoint/2010/main" val="3730014653"/>
+        <p14:creationId xmlns:p14="http://schemas.microsoft.com/office/powerpoint/2010/main" xmlns="" val="3730014653"/>
       </p:ext>
     </p:extLst>
   </p:cSld>
@@ -22689,7 +22689,7 @@
         <p:spPr bwMode="auto">
           <a:xfrm>
             <a:off x="457200" y="1628800"/>
-            <a:ext cx="6509677" cy="3970318"/>
+            <a:ext cx="6500497" cy="4524315"/>
           </a:xfrm>
           <a:prstGeom prst="rect">
             <a:avLst/>
@@ -22701,14 +22701,14 @@
           <a:effectLst/>
           <a:extLst>
             <a:ext uri="{909E8E84-426E-40dd-AFC4-6F175D3DCCD1}">
-              <a14:hiddenFill xmlns="" xmlns:a14="http://schemas.microsoft.com/office/drawing/2010/main">
+              <a14:hiddenFill xmlns:a14="http://schemas.microsoft.com/office/drawing/2010/main" xmlns="">
                 <a:solidFill>
                   <a:schemeClr val="accent1"/>
                 </a:solidFill>
               </a14:hiddenFill>
             </a:ext>
             <a:ext uri="{91240B29-F687-4f45-9708-019B960494DF}">
-              <a14:hiddenLine xmlns="" xmlns:a14="http://schemas.microsoft.com/office/drawing/2010/main" w="9525">
+              <a14:hiddenLine xmlns:a14="http://schemas.microsoft.com/office/drawing/2010/main" xmlns="" w="9525">
                 <a:solidFill>
                   <a:schemeClr val="tx1"/>
                 </a:solidFill>
@@ -22718,7 +22718,7 @@
               </a14:hiddenLine>
             </a:ext>
             <a:ext uri="{AF507438-7753-43e0-B8FC-AC1667EBCBE1}">
-              <a14:hiddenEffects xmlns="" xmlns:a14="http://schemas.microsoft.com/office/drawing/2010/main">
+              <a14:hiddenEffects xmlns:a14="http://schemas.microsoft.com/office/drawing/2010/main" xmlns="">
                 <a:effectLst>
                   <a:outerShdw blurRad="63500" dist="38099" dir="2700000" algn="ctr" rotWithShape="0">
                     <a:schemeClr val="bg2">
@@ -22870,8 +22870,116 @@
                 </a:solidFill>
                 <a:latin typeface="Arial Unicode MS" charset="0"/>
               </a:rPr>
-              <a:t> /&gt;"; // "step three"</a:t>
-            </a:r>
+              <a:t> /&gt;"; // "step </a:t>
+            </a:r>
+            <a:r>
+              <a:rPr lang="en-US" dirty="0" smtClean="0">
+                <a:solidFill>
+                  <a:srgbClr val="0000BB"/>
+                </a:solidFill>
+                <a:latin typeface="Arial Unicode MS" charset="0"/>
+              </a:rPr>
+              <a:t>three“</a:t>
+            </a:r>
+          </a:p>
+          <a:p>
+            <a:r>
+              <a:rPr lang="en-US" dirty="0" smtClean="0">
+                <a:solidFill>
+                  <a:srgbClr val="0000BB"/>
+                </a:solidFill>
+                <a:latin typeface="Arial Unicode MS" charset="0"/>
+              </a:rPr>
+              <a:t> </a:t>
+            </a:r>
+            <a:r>
+              <a:rPr lang="en-US" dirty="0" smtClean="0">
+                <a:solidFill>
+                  <a:srgbClr val="0000BB"/>
+                </a:solidFill>
+                <a:latin typeface="Arial Unicode MS" charset="0"/>
+              </a:rPr>
+              <a:t>   </a:t>
+            </a:r>
+            <a:r>
+              <a:rPr lang="en-US" dirty="0" err="1" smtClean="0">
+                <a:solidFill>
+                  <a:srgbClr val="0000BB"/>
+                </a:solidFill>
+                <a:latin typeface="Arial Unicode MS" charset="0"/>
+              </a:rPr>
+              <a:t>prev</a:t>
+            </a:r>
+            <a:r>
+              <a:rPr lang="en-US" dirty="0" smtClean="0">
+                <a:solidFill>
+                  <a:srgbClr val="0000BB"/>
+                </a:solidFill>
+                <a:latin typeface="Arial Unicode MS" charset="0"/>
+              </a:rPr>
+              <a:t>($</a:t>
+            </a:r>
+            <a:r>
+              <a:rPr lang="en-US" dirty="0" smtClean="0">
+                <a:solidFill>
+                  <a:srgbClr val="0000BB"/>
+                </a:solidFill>
+                <a:latin typeface="Arial Unicode MS" charset="0"/>
+              </a:rPr>
+              <a:t>array);</a:t>
+            </a:r>
+          </a:p>
+          <a:p>
+            <a:r>
+              <a:rPr lang="en-US" dirty="0" smtClean="0">
+                <a:solidFill>
+                  <a:srgbClr val="0000BB"/>
+                </a:solidFill>
+                <a:latin typeface="Arial Unicode MS" charset="0"/>
+              </a:rPr>
+              <a:t>    echo current($array) . "&lt;</a:t>
+            </a:r>
+            <a:r>
+              <a:rPr lang="en-US" dirty="0" err="1" smtClean="0">
+                <a:solidFill>
+                  <a:srgbClr val="0000BB"/>
+                </a:solidFill>
+                <a:latin typeface="Arial Unicode MS" charset="0"/>
+              </a:rPr>
+              <a:t>br</a:t>
+            </a:r>
+            <a:r>
+              <a:rPr lang="en-US" dirty="0" smtClean="0">
+                <a:solidFill>
+                  <a:srgbClr val="0000BB"/>
+                </a:solidFill>
+                <a:latin typeface="Arial Unicode MS" charset="0"/>
+              </a:rPr>
+              <a:t> /&gt;"; // "step </a:t>
+            </a:r>
+            <a:r>
+              <a:rPr lang="en-US" dirty="0" smtClean="0">
+                <a:solidFill>
+                  <a:srgbClr val="0000BB"/>
+                </a:solidFill>
+                <a:latin typeface="Arial Unicode MS" charset="0"/>
+              </a:rPr>
+              <a:t>two"</a:t>
+            </a:r>
+            <a:endParaRPr lang="en-US" dirty="0" smtClean="0">
+              <a:solidFill>
+                <a:srgbClr val="0000BB"/>
+              </a:solidFill>
+              <a:latin typeface="Arial Unicode MS" charset="0"/>
+            </a:endParaRPr>
+          </a:p>
+          <a:p>
+            <a:endParaRPr lang="en-US" dirty="0">
+              <a:solidFill>
+                <a:srgbClr val="0000BB"/>
+              </a:solidFill>
+              <a:latin typeface="Arial Unicode MS" charset="0"/>
+            </a:endParaRPr>
           </a:p>
           <a:p>
             <a:r>
@@ -22881,16 +22989,17 @@
                 </a:solidFill>
                 <a:latin typeface="Arial Unicode MS" charset="0"/>
               </a:rPr>
-              <a:t>    // reset pointer, start again on step one</a:t>
-            </a:r>
-            <a:br>
-              <a:rPr lang="en-US" dirty="0">
+              <a:t>    // reset pointer, start again on step </a:t>
+            </a:r>
+            <a:r>
+              <a:rPr lang="en-US" dirty="0" smtClean="0">
                 <a:solidFill>
                   <a:srgbClr val="0000BB"/>
                 </a:solidFill>
                 <a:latin typeface="Arial Unicode MS" charset="0"/>
               </a:rPr>
-            </a:br>
+              <a:t>one</a:t>
+            </a:r>
             <a:endParaRPr lang="en-US" dirty="0">
               <a:solidFill>
                 <a:srgbClr val="0000BB"/>
@@ -22974,14 +23083,14 @@
           <a:effectLst/>
           <a:extLst>
             <a:ext uri="{909E8E84-426E-40dd-AFC4-6F175D3DCCD1}">
-              <a14:hiddenFill xmlns="" xmlns:a14="http://schemas.microsoft.com/office/drawing/2010/main">
+              <a14:hiddenFill xmlns:a14="http://schemas.microsoft.com/office/drawing/2010/main" xmlns="">
                 <a:solidFill>
                   <a:schemeClr val="accent1"/>
                 </a:solidFill>
               </a14:hiddenFill>
             </a:ext>
             <a:ext uri="{91240B29-F687-4f45-9708-019B960494DF}">
-              <a14:hiddenLine xmlns="" xmlns:a14="http://schemas.microsoft.com/office/drawing/2010/main" w="9525">
+              <a14:hiddenLine xmlns:a14="http://schemas.microsoft.com/office/drawing/2010/main" xmlns="" w="9525">
                 <a:solidFill>
                   <a:schemeClr val="tx1"/>
                 </a:solidFill>
@@ -22991,7 +23100,7 @@
               </a14:hiddenLine>
             </a:ext>
             <a:ext uri="{AF507438-7753-43e0-B8FC-AC1667EBCBE1}">
-              <a14:hiddenEffects xmlns="" xmlns:a14="http://schemas.microsoft.com/office/drawing/2010/main">
+              <a14:hiddenEffects xmlns:a14="http://schemas.microsoft.com/office/drawing/2010/main" xmlns="">
                 <a:effectLst>
                   <a:outerShdw blurRad="63500" dist="38099" dir="2700000" algn="ctr" rotWithShape="0">
                     <a:schemeClr val="bg2">
@@ -23036,7 +23145,7 @@
     </p:spTree>
     <p:extLst>
       <p:ext uri="{BB962C8B-B14F-4D97-AF65-F5344CB8AC3E}">
-        <p14:creationId xmlns="" xmlns:p14="http://schemas.microsoft.com/office/powerpoint/2010/main" val="1582376273"/>
+        <p14:creationId xmlns:p14="http://schemas.microsoft.com/office/powerpoint/2010/main" xmlns="" val="1582376273"/>
       </p:ext>
     </p:extLst>
   </p:cSld>
@@ -23229,7 +23338,7 @@
     </p:spTree>
     <p:extLst>
       <p:ext uri="{BB962C8B-B14F-4D97-AF65-F5344CB8AC3E}">
-        <p14:creationId xmlns="" xmlns:p14="http://schemas.microsoft.com/office/powerpoint/2010/main" val="482212884"/>
+        <p14:creationId xmlns:p14="http://schemas.microsoft.com/office/powerpoint/2010/main" xmlns="" val="482212884"/>
       </p:ext>
     </p:extLst>
   </p:cSld>
@@ -24282,7 +24391,7 @@
     </p:spTree>
     <p:extLst>
       <p:ext uri="{BB962C8B-B14F-4D97-AF65-F5344CB8AC3E}">
-        <p14:creationId xmlns="" xmlns:p14="http://schemas.microsoft.com/office/powerpoint/2010/main" val="2984689515"/>
+        <p14:creationId xmlns:p14="http://schemas.microsoft.com/office/powerpoint/2010/main" xmlns="" val="2984689515"/>
       </p:ext>
     </p:extLst>
   </p:cSld>
